--- a/machine learning all/Workshop/image_files/tensor graph.pptx
+++ b/machine learning all/Workshop/image_files/tensor graph.pptx
@@ -242,7 +242,7 @@
           <a:p>
             <a:fld id="{CCD3A5E4-AECA-45BE-B390-178077FC7AE3}" type="datetimeFigureOut">
               <a:rPr lang="ko-KR" altLang="en-US" smtClean="0"/>
-              <a:t>2017-02-04</a:t>
+              <a:t>2017-04-14</a:t>
             </a:fld>
             <a:endParaRPr lang="ko-KR" altLang="en-US"/>
           </a:p>
@@ -410,7 +410,7 @@
           <a:p>
             <a:fld id="{CCD3A5E4-AECA-45BE-B390-178077FC7AE3}" type="datetimeFigureOut">
               <a:rPr lang="ko-KR" altLang="en-US" smtClean="0"/>
-              <a:t>2017-02-04</a:t>
+              <a:t>2017-04-14</a:t>
             </a:fld>
             <a:endParaRPr lang="ko-KR" altLang="en-US"/>
           </a:p>
@@ -588,7 +588,7 @@
           <a:p>
             <a:fld id="{CCD3A5E4-AECA-45BE-B390-178077FC7AE3}" type="datetimeFigureOut">
               <a:rPr lang="ko-KR" altLang="en-US" smtClean="0"/>
-              <a:t>2017-02-04</a:t>
+              <a:t>2017-04-14</a:t>
             </a:fld>
             <a:endParaRPr lang="ko-KR" altLang="en-US"/>
           </a:p>
@@ -756,7 +756,7 @@
           <a:p>
             <a:fld id="{CCD3A5E4-AECA-45BE-B390-178077FC7AE3}" type="datetimeFigureOut">
               <a:rPr lang="ko-KR" altLang="en-US" smtClean="0"/>
-              <a:t>2017-02-04</a:t>
+              <a:t>2017-04-14</a:t>
             </a:fld>
             <a:endParaRPr lang="ko-KR" altLang="en-US"/>
           </a:p>
@@ -1001,7 +1001,7 @@
           <a:p>
             <a:fld id="{CCD3A5E4-AECA-45BE-B390-178077FC7AE3}" type="datetimeFigureOut">
               <a:rPr lang="ko-KR" altLang="en-US" smtClean="0"/>
-              <a:t>2017-02-04</a:t>
+              <a:t>2017-04-14</a:t>
             </a:fld>
             <a:endParaRPr lang="ko-KR" altLang="en-US"/>
           </a:p>
@@ -1230,7 +1230,7 @@
           <a:p>
             <a:fld id="{CCD3A5E4-AECA-45BE-B390-178077FC7AE3}" type="datetimeFigureOut">
               <a:rPr lang="ko-KR" altLang="en-US" smtClean="0"/>
-              <a:t>2017-02-04</a:t>
+              <a:t>2017-04-14</a:t>
             </a:fld>
             <a:endParaRPr lang="ko-KR" altLang="en-US"/>
           </a:p>
@@ -1594,7 +1594,7 @@
           <a:p>
             <a:fld id="{CCD3A5E4-AECA-45BE-B390-178077FC7AE3}" type="datetimeFigureOut">
               <a:rPr lang="ko-KR" altLang="en-US" smtClean="0"/>
-              <a:t>2017-02-04</a:t>
+              <a:t>2017-04-14</a:t>
             </a:fld>
             <a:endParaRPr lang="ko-KR" altLang="en-US"/>
           </a:p>
@@ -1711,7 +1711,7 @@
           <a:p>
             <a:fld id="{CCD3A5E4-AECA-45BE-B390-178077FC7AE3}" type="datetimeFigureOut">
               <a:rPr lang="ko-KR" altLang="en-US" smtClean="0"/>
-              <a:t>2017-02-04</a:t>
+              <a:t>2017-04-14</a:t>
             </a:fld>
             <a:endParaRPr lang="ko-KR" altLang="en-US"/>
           </a:p>
@@ -1806,7 +1806,7 @@
           <a:p>
             <a:fld id="{CCD3A5E4-AECA-45BE-B390-178077FC7AE3}" type="datetimeFigureOut">
               <a:rPr lang="ko-KR" altLang="en-US" smtClean="0"/>
-              <a:t>2017-02-04</a:t>
+              <a:t>2017-04-14</a:t>
             </a:fld>
             <a:endParaRPr lang="ko-KR" altLang="en-US"/>
           </a:p>
@@ -2081,7 +2081,7 @@
           <a:p>
             <a:fld id="{CCD3A5E4-AECA-45BE-B390-178077FC7AE3}" type="datetimeFigureOut">
               <a:rPr lang="ko-KR" altLang="en-US" smtClean="0"/>
-              <a:t>2017-02-04</a:t>
+              <a:t>2017-04-14</a:t>
             </a:fld>
             <a:endParaRPr lang="ko-KR" altLang="en-US"/>
           </a:p>
@@ -2333,7 +2333,7 @@
           <a:p>
             <a:fld id="{CCD3A5E4-AECA-45BE-B390-178077FC7AE3}" type="datetimeFigureOut">
               <a:rPr lang="ko-KR" altLang="en-US" smtClean="0"/>
-              <a:t>2017-02-04</a:t>
+              <a:t>2017-04-14</a:t>
             </a:fld>
             <a:endParaRPr lang="ko-KR" altLang="en-US"/>
           </a:p>
@@ -2544,7 +2544,7 @@
           <a:p>
             <a:fld id="{CCD3A5E4-AECA-45BE-B390-178077FC7AE3}" type="datetimeFigureOut">
               <a:rPr lang="ko-KR" altLang="en-US" smtClean="0"/>
-              <a:t>2017-02-04</a:t>
+              <a:t>2017-04-14</a:t>
             </a:fld>
             <a:endParaRPr lang="ko-KR" altLang="en-US"/>
           </a:p>
@@ -3026,9 +3026,9 @@
         <p:grpSpPr>
           <a:xfrm>
             <a:off x="3375172" y="434583"/>
-            <a:ext cx="3800698" cy="6105855"/>
+            <a:ext cx="3842809" cy="6105855"/>
             <a:chOff x="3375172" y="434583"/>
-            <a:chExt cx="3800698" cy="6105855"/>
+            <a:chExt cx="3842809" cy="6105855"/>
           </a:xfrm>
         </p:grpSpPr>
         <p:grpSp>
@@ -3060,10 +3060,19 @@
                 <a:avLst/>
               </a:prstGeom>
               <a:solidFill>
-                <a:schemeClr val="accent1">
+                <a:schemeClr val="accent6">
+                  <a:lumMod val="60000"/>
+                  <a:lumOff val="40000"/>
                   <a:alpha val="25000"/>
                 </a:schemeClr>
               </a:solidFill>
+              <a:ln>
+                <a:solidFill>
+                  <a:schemeClr val="accent6">
+                    <a:lumMod val="75000"/>
+                  </a:schemeClr>
+                </a:solidFill>
+              </a:ln>
             </p:spPr>
             <p:style>
               <a:lnRef idx="2">
@@ -3944,6 +3953,89 @@
             </a:p>
           </p:txBody>
         </p:sp>
+        <p:sp>
+          <p:nvSpPr>
+            <p:cNvPr id="3" name="화살표: 위로 굽음 2"/>
+            <p:cNvSpPr/>
+            <p:nvPr/>
+          </p:nvSpPr>
+          <p:spPr>
+            <a:xfrm>
+              <a:off x="5900430" y="2569343"/>
+              <a:ext cx="970119" cy="3687942"/>
+            </a:xfrm>
+            <a:prstGeom prst="bentUpArrow">
+              <a:avLst>
+                <a:gd name="adj1" fmla="val 11326"/>
+                <a:gd name="adj2" fmla="val 13502"/>
+                <a:gd name="adj3" fmla="val 25000"/>
+              </a:avLst>
+            </a:prstGeom>
+            <a:solidFill>
+              <a:srgbClr val="BFBFBF"/>
+            </a:solidFill>
+            <a:ln>
+              <a:solidFill>
+                <a:srgbClr val="BFBFBF"/>
+              </a:solidFill>
+            </a:ln>
+          </p:spPr>
+          <p:style>
+            <a:lnRef idx="2">
+              <a:schemeClr val="accent1">
+                <a:shade val="50000"/>
+              </a:schemeClr>
+            </a:lnRef>
+            <a:fillRef idx="1">
+              <a:schemeClr val="accent1"/>
+            </a:fillRef>
+            <a:effectRef idx="0">
+              <a:schemeClr val="accent1"/>
+            </a:effectRef>
+            <a:fontRef idx="minor">
+              <a:schemeClr val="lt1"/>
+            </a:fontRef>
+          </p:style>
+          <p:txBody>
+            <a:bodyPr rtlCol="0" anchor="ctr"/>
+            <a:lstStyle/>
+            <a:p>
+              <a:pPr algn="ctr"/>
+              <a:endParaRPr lang="ko-KR" altLang="en-US"/>
+            </a:p>
+          </p:txBody>
+        </p:sp>
+        <p:sp>
+          <p:nvSpPr>
+            <p:cNvPr id="36" name="TextBox 35"/>
+            <p:cNvSpPr txBox="1"/>
+            <p:nvPr/>
+          </p:nvSpPr>
+          <p:spPr>
+            <a:xfrm>
+              <a:off x="6275507" y="4486656"/>
+              <a:ext cx="942474" cy="307777"/>
+            </a:xfrm>
+            <a:prstGeom prst="rect">
+              <a:avLst/>
+            </a:prstGeom>
+            <a:noFill/>
+          </p:spPr>
+          <p:txBody>
+            <a:bodyPr wrap="square" rtlCol="0">
+              <a:spAutoFit/>
+            </a:bodyPr>
+            <a:lstStyle/>
+            <a:p>
+              <a:pPr algn="ctr"/>
+              <a:r>
+                <a:rPr lang="en-US" altLang="ko-KR" sz="1400"/>
+                <a:t>Update</a:t>
+              </a:r>
+              <a:endParaRPr lang="ko-KR" altLang="en-US" sz="1400" dirty="0"/>
+            </a:p>
+          </p:txBody>
+        </p:sp>
       </p:grpSp>
     </p:spTree>
     <p:extLst>
